--- a/ppt 16-9/0804.因我，知道你是.pptx
+++ b/ppt 16-9/0804.因我，知道你是.pptx
@@ -129,7 +129,7 @@
           <p:cNvPr id="2" name="标题 1">
             <a:extLst>
               <a:ext uri="{FF2B5EF4-FFF2-40B4-BE49-F238E27FC236}">
-                <a16:creationId xmlns:a16="http://schemas.microsoft.com/office/drawing/2014/main" id="{D8D5803A-6118-FA81-A9F8-985F74CD2658}"/>
+                <a16:creationId xmlns:a16="http://schemas.microsoft.com/office/drawing/2014/main" id="{659C8147-7A53-45F3-31EF-4CCA4B78FD75}"/>
               </a:ext>
             </a:extLst>
           </p:cNvPr>
@@ -166,7 +166,7 @@
           <p:cNvPr id="3" name="副标题 2">
             <a:extLst>
               <a:ext uri="{FF2B5EF4-FFF2-40B4-BE49-F238E27FC236}">
-                <a16:creationId xmlns:a16="http://schemas.microsoft.com/office/drawing/2014/main" id="{A234A592-331B-6884-E432-062723447EB4}"/>
+                <a16:creationId xmlns:a16="http://schemas.microsoft.com/office/drawing/2014/main" id="{6330D39E-B13E-82A0-79E2-507A43CE798E}"/>
               </a:ext>
             </a:extLst>
           </p:cNvPr>
@@ -236,7 +236,7 @@
           <p:cNvPr id="4" name="日期占位符 3">
             <a:extLst>
               <a:ext uri="{FF2B5EF4-FFF2-40B4-BE49-F238E27FC236}">
-                <a16:creationId xmlns:a16="http://schemas.microsoft.com/office/drawing/2014/main" id="{97B68B19-74A9-8A62-4E7E-1C774630D592}"/>
+                <a16:creationId xmlns:a16="http://schemas.microsoft.com/office/drawing/2014/main" id="{719D847B-1119-E78F-653E-0C6D22D905D8}"/>
               </a:ext>
             </a:extLst>
           </p:cNvPr>
@@ -252,7 +252,7 @@
           <a:bodyPr/>
           <a:lstStyle/>
           <a:p>
-            <a:fld id="{D04AEC38-C965-49C5-B77B-84FE7C633CAF}" type="datetimeFigureOut">
+            <a:fld id="{48B9C68F-C176-41F3-A6CB-A2197BA41E67}" type="datetimeFigureOut">
               <a:rPr lang="zh-CN" altLang="en-US" smtClean="0"/>
               <a:t>2024/3/10</a:t>
             </a:fld>
@@ -265,7 +265,7 @@
           <p:cNvPr id="5" name="页脚占位符 4">
             <a:extLst>
               <a:ext uri="{FF2B5EF4-FFF2-40B4-BE49-F238E27FC236}">
-                <a16:creationId xmlns:a16="http://schemas.microsoft.com/office/drawing/2014/main" id="{97379B69-D6D3-5575-423B-60E155C443D5}"/>
+                <a16:creationId xmlns:a16="http://schemas.microsoft.com/office/drawing/2014/main" id="{7311CC63-4590-2B73-8524-AA13A4DB4D08}"/>
               </a:ext>
             </a:extLst>
           </p:cNvPr>
@@ -290,7 +290,7 @@
           <p:cNvPr id="6" name="灯片编号占位符 5">
             <a:extLst>
               <a:ext uri="{FF2B5EF4-FFF2-40B4-BE49-F238E27FC236}">
-                <a16:creationId xmlns:a16="http://schemas.microsoft.com/office/drawing/2014/main" id="{CF4B52A1-72CB-AF1D-A9F1-598A368C7DFD}"/>
+                <a16:creationId xmlns:a16="http://schemas.microsoft.com/office/drawing/2014/main" id="{D7009B6F-BDC7-608F-878B-F1C3F91635DD}"/>
               </a:ext>
             </a:extLst>
           </p:cNvPr>
@@ -306,7 +306,7 @@
           <a:bodyPr/>
           <a:lstStyle/>
           <a:p>
-            <a:fld id="{F2EAF913-3774-43A2-8B7D-7E7094FA69AF}" type="slidenum">
+            <a:fld id="{DB7AF3BF-1299-4049-A291-CA48E8CE5DB1}" type="slidenum">
               <a:rPr lang="zh-CN" altLang="en-US" smtClean="0"/>
               <a:t>‹#›</a:t>
             </a:fld>
@@ -317,7 +317,7 @@
     </p:spTree>
     <p:extLst>
       <p:ext uri="{BB962C8B-B14F-4D97-AF65-F5344CB8AC3E}">
-        <p14:creationId xmlns:p14="http://schemas.microsoft.com/office/powerpoint/2010/main" val="3850942797"/>
+        <p14:creationId xmlns:p14="http://schemas.microsoft.com/office/powerpoint/2010/main" val="538571996"/>
       </p:ext>
     </p:extLst>
   </p:cSld>
@@ -349,7 +349,7 @@
           <p:cNvPr id="2" name="标题 1">
             <a:extLst>
               <a:ext uri="{FF2B5EF4-FFF2-40B4-BE49-F238E27FC236}">
-                <a16:creationId xmlns:a16="http://schemas.microsoft.com/office/drawing/2014/main" id="{DAF8EAC6-DA5C-5E40-5C5F-D1AE7C258718}"/>
+                <a16:creationId xmlns:a16="http://schemas.microsoft.com/office/drawing/2014/main" id="{777ED462-E1BB-167D-AE2B-56EC071C83E3}"/>
               </a:ext>
             </a:extLst>
           </p:cNvPr>
@@ -377,7 +377,7 @@
           <p:cNvPr id="3" name="竖排文字占位符 2">
             <a:extLst>
               <a:ext uri="{FF2B5EF4-FFF2-40B4-BE49-F238E27FC236}">
-                <a16:creationId xmlns:a16="http://schemas.microsoft.com/office/drawing/2014/main" id="{484349FE-39ED-817A-0351-7D19089E5F80}"/>
+                <a16:creationId xmlns:a16="http://schemas.microsoft.com/office/drawing/2014/main" id="{B4802D47-0540-F172-7085-DF877F5D052F}"/>
               </a:ext>
             </a:extLst>
           </p:cNvPr>
@@ -434,7 +434,7 @@
           <p:cNvPr id="4" name="日期占位符 3">
             <a:extLst>
               <a:ext uri="{FF2B5EF4-FFF2-40B4-BE49-F238E27FC236}">
-                <a16:creationId xmlns:a16="http://schemas.microsoft.com/office/drawing/2014/main" id="{DBC15502-1539-7ED7-5E79-EA0801424637}"/>
+                <a16:creationId xmlns:a16="http://schemas.microsoft.com/office/drawing/2014/main" id="{6DA1B698-9BCE-B70D-8AF8-7464E930B3D3}"/>
               </a:ext>
             </a:extLst>
           </p:cNvPr>
@@ -450,7 +450,7 @@
           <a:bodyPr/>
           <a:lstStyle/>
           <a:p>
-            <a:fld id="{D04AEC38-C965-49C5-B77B-84FE7C633CAF}" type="datetimeFigureOut">
+            <a:fld id="{48B9C68F-C176-41F3-A6CB-A2197BA41E67}" type="datetimeFigureOut">
               <a:rPr lang="zh-CN" altLang="en-US" smtClean="0"/>
               <a:t>2024/3/10</a:t>
             </a:fld>
@@ -463,7 +463,7 @@
           <p:cNvPr id="5" name="页脚占位符 4">
             <a:extLst>
               <a:ext uri="{FF2B5EF4-FFF2-40B4-BE49-F238E27FC236}">
-                <a16:creationId xmlns:a16="http://schemas.microsoft.com/office/drawing/2014/main" id="{AAD09899-F5F3-15B2-B184-DEC1714C6C1F}"/>
+                <a16:creationId xmlns:a16="http://schemas.microsoft.com/office/drawing/2014/main" id="{1904CC82-8A6A-48FF-E8C8-39177738EADA}"/>
               </a:ext>
             </a:extLst>
           </p:cNvPr>
@@ -488,7 +488,7 @@
           <p:cNvPr id="6" name="灯片编号占位符 5">
             <a:extLst>
               <a:ext uri="{FF2B5EF4-FFF2-40B4-BE49-F238E27FC236}">
-                <a16:creationId xmlns:a16="http://schemas.microsoft.com/office/drawing/2014/main" id="{40293900-AA73-F903-FF92-F12C60843CF2}"/>
+                <a16:creationId xmlns:a16="http://schemas.microsoft.com/office/drawing/2014/main" id="{3F72EAC9-C4C1-F62F-2969-CA8B908DE417}"/>
               </a:ext>
             </a:extLst>
           </p:cNvPr>
@@ -504,7 +504,7 @@
           <a:bodyPr/>
           <a:lstStyle/>
           <a:p>
-            <a:fld id="{F2EAF913-3774-43A2-8B7D-7E7094FA69AF}" type="slidenum">
+            <a:fld id="{DB7AF3BF-1299-4049-A291-CA48E8CE5DB1}" type="slidenum">
               <a:rPr lang="zh-CN" altLang="en-US" smtClean="0"/>
               <a:t>‹#›</a:t>
             </a:fld>
@@ -515,7 +515,7 @@
     </p:spTree>
     <p:extLst>
       <p:ext uri="{BB962C8B-B14F-4D97-AF65-F5344CB8AC3E}">
-        <p14:creationId xmlns:p14="http://schemas.microsoft.com/office/powerpoint/2010/main" val="1662094360"/>
+        <p14:creationId xmlns:p14="http://schemas.microsoft.com/office/powerpoint/2010/main" val="2183851067"/>
       </p:ext>
     </p:extLst>
   </p:cSld>
@@ -547,7 +547,7 @@
           <p:cNvPr id="2" name="竖排标题 1">
             <a:extLst>
               <a:ext uri="{FF2B5EF4-FFF2-40B4-BE49-F238E27FC236}">
-                <a16:creationId xmlns:a16="http://schemas.microsoft.com/office/drawing/2014/main" id="{8CD960BA-8160-D98B-A4D9-0B0D450FDB01}"/>
+                <a16:creationId xmlns:a16="http://schemas.microsoft.com/office/drawing/2014/main" id="{5A98E95F-1801-C559-878F-DD4B4BCF82D4}"/>
               </a:ext>
             </a:extLst>
           </p:cNvPr>
@@ -580,7 +580,7 @@
           <p:cNvPr id="3" name="竖排文字占位符 2">
             <a:extLst>
               <a:ext uri="{FF2B5EF4-FFF2-40B4-BE49-F238E27FC236}">
-                <a16:creationId xmlns:a16="http://schemas.microsoft.com/office/drawing/2014/main" id="{5E45455C-7EEF-6B3B-A414-4737A919653B}"/>
+                <a16:creationId xmlns:a16="http://schemas.microsoft.com/office/drawing/2014/main" id="{30FABA93-82CF-4254-4530-A5BB8A12D9DD}"/>
               </a:ext>
             </a:extLst>
           </p:cNvPr>
@@ -642,7 +642,7 @@
           <p:cNvPr id="4" name="日期占位符 3">
             <a:extLst>
               <a:ext uri="{FF2B5EF4-FFF2-40B4-BE49-F238E27FC236}">
-                <a16:creationId xmlns:a16="http://schemas.microsoft.com/office/drawing/2014/main" id="{FA3DF812-E680-0777-A845-92A82B2B8650}"/>
+                <a16:creationId xmlns:a16="http://schemas.microsoft.com/office/drawing/2014/main" id="{85CF264C-9366-16B4-4F23-C02A18F47432}"/>
               </a:ext>
             </a:extLst>
           </p:cNvPr>
@@ -658,7 +658,7 @@
           <a:bodyPr/>
           <a:lstStyle/>
           <a:p>
-            <a:fld id="{D04AEC38-C965-49C5-B77B-84FE7C633CAF}" type="datetimeFigureOut">
+            <a:fld id="{48B9C68F-C176-41F3-A6CB-A2197BA41E67}" type="datetimeFigureOut">
               <a:rPr lang="zh-CN" altLang="en-US" smtClean="0"/>
               <a:t>2024/3/10</a:t>
             </a:fld>
@@ -671,7 +671,7 @@
           <p:cNvPr id="5" name="页脚占位符 4">
             <a:extLst>
               <a:ext uri="{FF2B5EF4-FFF2-40B4-BE49-F238E27FC236}">
-                <a16:creationId xmlns:a16="http://schemas.microsoft.com/office/drawing/2014/main" id="{189B5377-E6B0-99B9-DEF9-D774ECC11762}"/>
+                <a16:creationId xmlns:a16="http://schemas.microsoft.com/office/drawing/2014/main" id="{85179F35-8AA0-DECC-2467-7768E8D0BA18}"/>
               </a:ext>
             </a:extLst>
           </p:cNvPr>
@@ -696,7 +696,7 @@
           <p:cNvPr id="6" name="灯片编号占位符 5">
             <a:extLst>
               <a:ext uri="{FF2B5EF4-FFF2-40B4-BE49-F238E27FC236}">
-                <a16:creationId xmlns:a16="http://schemas.microsoft.com/office/drawing/2014/main" id="{B60329DF-159B-2700-C048-2509A2494CB9}"/>
+                <a16:creationId xmlns:a16="http://schemas.microsoft.com/office/drawing/2014/main" id="{DAE37265-8E7F-2EBD-0FAF-6A3C50EA7285}"/>
               </a:ext>
             </a:extLst>
           </p:cNvPr>
@@ -712,7 +712,7 @@
           <a:bodyPr/>
           <a:lstStyle/>
           <a:p>
-            <a:fld id="{F2EAF913-3774-43A2-8B7D-7E7094FA69AF}" type="slidenum">
+            <a:fld id="{DB7AF3BF-1299-4049-A291-CA48E8CE5DB1}" type="slidenum">
               <a:rPr lang="zh-CN" altLang="en-US" smtClean="0"/>
               <a:t>‹#›</a:t>
             </a:fld>
@@ -723,7 +723,7 @@
     </p:spTree>
     <p:extLst>
       <p:ext uri="{BB962C8B-B14F-4D97-AF65-F5344CB8AC3E}">
-        <p14:creationId xmlns:p14="http://schemas.microsoft.com/office/powerpoint/2010/main" val="383332460"/>
+        <p14:creationId xmlns:p14="http://schemas.microsoft.com/office/powerpoint/2010/main" val="4152622445"/>
       </p:ext>
     </p:extLst>
   </p:cSld>
@@ -755,7 +755,7 @@
           <p:cNvPr id="2" name="标题 1">
             <a:extLst>
               <a:ext uri="{FF2B5EF4-FFF2-40B4-BE49-F238E27FC236}">
-                <a16:creationId xmlns:a16="http://schemas.microsoft.com/office/drawing/2014/main" id="{AF30DEA1-F284-139D-28C1-B2E28DF71D8C}"/>
+                <a16:creationId xmlns:a16="http://schemas.microsoft.com/office/drawing/2014/main" id="{80443BF9-3033-088E-9EF2-54B1E65887E4}"/>
               </a:ext>
             </a:extLst>
           </p:cNvPr>
@@ -783,7 +783,7 @@
           <p:cNvPr id="3" name="内容占位符 2">
             <a:extLst>
               <a:ext uri="{FF2B5EF4-FFF2-40B4-BE49-F238E27FC236}">
-                <a16:creationId xmlns:a16="http://schemas.microsoft.com/office/drawing/2014/main" id="{9A606C71-EBF9-F262-CEF3-499744EC1473}"/>
+                <a16:creationId xmlns:a16="http://schemas.microsoft.com/office/drawing/2014/main" id="{D56D71CF-92D4-736D-F642-451DACC7D057}"/>
               </a:ext>
             </a:extLst>
           </p:cNvPr>
@@ -840,7 +840,7 @@
           <p:cNvPr id="4" name="日期占位符 3">
             <a:extLst>
               <a:ext uri="{FF2B5EF4-FFF2-40B4-BE49-F238E27FC236}">
-                <a16:creationId xmlns:a16="http://schemas.microsoft.com/office/drawing/2014/main" id="{9709E502-868E-2FEE-86B9-3FFCF41CA52F}"/>
+                <a16:creationId xmlns:a16="http://schemas.microsoft.com/office/drawing/2014/main" id="{7AF4068F-FE83-41B3-AB23-902940903401}"/>
               </a:ext>
             </a:extLst>
           </p:cNvPr>
@@ -856,7 +856,7 @@
           <a:bodyPr/>
           <a:lstStyle/>
           <a:p>
-            <a:fld id="{D04AEC38-C965-49C5-B77B-84FE7C633CAF}" type="datetimeFigureOut">
+            <a:fld id="{48B9C68F-C176-41F3-A6CB-A2197BA41E67}" type="datetimeFigureOut">
               <a:rPr lang="zh-CN" altLang="en-US" smtClean="0"/>
               <a:t>2024/3/10</a:t>
             </a:fld>
@@ -869,7 +869,7 @@
           <p:cNvPr id="5" name="页脚占位符 4">
             <a:extLst>
               <a:ext uri="{FF2B5EF4-FFF2-40B4-BE49-F238E27FC236}">
-                <a16:creationId xmlns:a16="http://schemas.microsoft.com/office/drawing/2014/main" id="{02FF98E5-DBC0-79E5-D07F-275B3D9BD566}"/>
+                <a16:creationId xmlns:a16="http://schemas.microsoft.com/office/drawing/2014/main" id="{F2F17730-F658-859F-C9CD-6D0FABABC0F0}"/>
               </a:ext>
             </a:extLst>
           </p:cNvPr>
@@ -894,7 +894,7 @@
           <p:cNvPr id="6" name="灯片编号占位符 5">
             <a:extLst>
               <a:ext uri="{FF2B5EF4-FFF2-40B4-BE49-F238E27FC236}">
-                <a16:creationId xmlns:a16="http://schemas.microsoft.com/office/drawing/2014/main" id="{13B6DAF7-F31C-9D74-1C68-5B74C3291BD9}"/>
+                <a16:creationId xmlns:a16="http://schemas.microsoft.com/office/drawing/2014/main" id="{89A6D6AE-4E57-6D34-27D7-0678C01AB444}"/>
               </a:ext>
             </a:extLst>
           </p:cNvPr>
@@ -910,7 +910,7 @@
           <a:bodyPr/>
           <a:lstStyle/>
           <a:p>
-            <a:fld id="{F2EAF913-3774-43A2-8B7D-7E7094FA69AF}" type="slidenum">
+            <a:fld id="{DB7AF3BF-1299-4049-A291-CA48E8CE5DB1}" type="slidenum">
               <a:rPr lang="zh-CN" altLang="en-US" smtClean="0"/>
               <a:t>‹#›</a:t>
             </a:fld>
@@ -921,7 +921,7 @@
     </p:spTree>
     <p:extLst>
       <p:ext uri="{BB962C8B-B14F-4D97-AF65-F5344CB8AC3E}">
-        <p14:creationId xmlns:p14="http://schemas.microsoft.com/office/powerpoint/2010/main" val="918880878"/>
+        <p14:creationId xmlns:p14="http://schemas.microsoft.com/office/powerpoint/2010/main" val="3759323219"/>
       </p:ext>
     </p:extLst>
   </p:cSld>
@@ -953,7 +953,7 @@
           <p:cNvPr id="2" name="标题 1">
             <a:extLst>
               <a:ext uri="{FF2B5EF4-FFF2-40B4-BE49-F238E27FC236}">
-                <a16:creationId xmlns:a16="http://schemas.microsoft.com/office/drawing/2014/main" id="{B445A408-72F0-640E-3D12-90E81D3BA7ED}"/>
+                <a16:creationId xmlns:a16="http://schemas.microsoft.com/office/drawing/2014/main" id="{8D3E4854-066D-0C0E-6767-E5368E13842D}"/>
               </a:ext>
             </a:extLst>
           </p:cNvPr>
@@ -990,7 +990,7 @@
           <p:cNvPr id="3" name="文本占位符 2">
             <a:extLst>
               <a:ext uri="{FF2B5EF4-FFF2-40B4-BE49-F238E27FC236}">
-                <a16:creationId xmlns:a16="http://schemas.microsoft.com/office/drawing/2014/main" id="{A9E39343-D4F6-EAE3-C989-EA06A979578A}"/>
+                <a16:creationId xmlns:a16="http://schemas.microsoft.com/office/drawing/2014/main" id="{F554C5D0-22AF-83FD-44E2-148B05B75D01}"/>
               </a:ext>
             </a:extLst>
           </p:cNvPr>
@@ -1115,7 +1115,7 @@
           <p:cNvPr id="4" name="日期占位符 3">
             <a:extLst>
               <a:ext uri="{FF2B5EF4-FFF2-40B4-BE49-F238E27FC236}">
-                <a16:creationId xmlns:a16="http://schemas.microsoft.com/office/drawing/2014/main" id="{90EE6671-DB1F-1252-9312-41D923393862}"/>
+                <a16:creationId xmlns:a16="http://schemas.microsoft.com/office/drawing/2014/main" id="{9CC33408-BA86-F4A8-E5A9-565B62A66D6B}"/>
               </a:ext>
             </a:extLst>
           </p:cNvPr>
@@ -1131,7 +1131,7 @@
           <a:bodyPr/>
           <a:lstStyle/>
           <a:p>
-            <a:fld id="{D04AEC38-C965-49C5-B77B-84FE7C633CAF}" type="datetimeFigureOut">
+            <a:fld id="{48B9C68F-C176-41F3-A6CB-A2197BA41E67}" type="datetimeFigureOut">
               <a:rPr lang="zh-CN" altLang="en-US" smtClean="0"/>
               <a:t>2024/3/10</a:t>
             </a:fld>
@@ -1144,7 +1144,7 @@
           <p:cNvPr id="5" name="页脚占位符 4">
             <a:extLst>
               <a:ext uri="{FF2B5EF4-FFF2-40B4-BE49-F238E27FC236}">
-                <a16:creationId xmlns:a16="http://schemas.microsoft.com/office/drawing/2014/main" id="{670B290C-78A9-9FC2-82F4-A2DC612A0B94}"/>
+                <a16:creationId xmlns:a16="http://schemas.microsoft.com/office/drawing/2014/main" id="{4560EEA5-01F4-247F-F1CE-B2E1643FF4F6}"/>
               </a:ext>
             </a:extLst>
           </p:cNvPr>
@@ -1169,7 +1169,7 @@
           <p:cNvPr id="6" name="灯片编号占位符 5">
             <a:extLst>
               <a:ext uri="{FF2B5EF4-FFF2-40B4-BE49-F238E27FC236}">
-                <a16:creationId xmlns:a16="http://schemas.microsoft.com/office/drawing/2014/main" id="{EDCDCDE2-F442-67F7-D0BC-75C2CCF02FC8}"/>
+                <a16:creationId xmlns:a16="http://schemas.microsoft.com/office/drawing/2014/main" id="{84AE777C-4066-00A1-446C-B765C78C41E5}"/>
               </a:ext>
             </a:extLst>
           </p:cNvPr>
@@ -1185,7 +1185,7 @@
           <a:bodyPr/>
           <a:lstStyle/>
           <a:p>
-            <a:fld id="{F2EAF913-3774-43A2-8B7D-7E7094FA69AF}" type="slidenum">
+            <a:fld id="{DB7AF3BF-1299-4049-A291-CA48E8CE5DB1}" type="slidenum">
               <a:rPr lang="zh-CN" altLang="en-US" smtClean="0"/>
               <a:t>‹#›</a:t>
             </a:fld>
@@ -1196,7 +1196,7 @@
     </p:spTree>
     <p:extLst>
       <p:ext uri="{BB962C8B-B14F-4D97-AF65-F5344CB8AC3E}">
-        <p14:creationId xmlns:p14="http://schemas.microsoft.com/office/powerpoint/2010/main" val="1161111893"/>
+        <p14:creationId xmlns:p14="http://schemas.microsoft.com/office/powerpoint/2010/main" val="2667288145"/>
       </p:ext>
     </p:extLst>
   </p:cSld>
@@ -1228,7 +1228,7 @@
           <p:cNvPr id="2" name="标题 1">
             <a:extLst>
               <a:ext uri="{FF2B5EF4-FFF2-40B4-BE49-F238E27FC236}">
-                <a16:creationId xmlns:a16="http://schemas.microsoft.com/office/drawing/2014/main" id="{56443735-C5BF-20C6-8216-6E31E4C30D56}"/>
+                <a16:creationId xmlns:a16="http://schemas.microsoft.com/office/drawing/2014/main" id="{5FF4B722-68B9-3DE9-13D3-12BBBC0BE9BB}"/>
               </a:ext>
             </a:extLst>
           </p:cNvPr>
@@ -1256,7 +1256,7 @@
           <p:cNvPr id="3" name="内容占位符 2">
             <a:extLst>
               <a:ext uri="{FF2B5EF4-FFF2-40B4-BE49-F238E27FC236}">
-                <a16:creationId xmlns:a16="http://schemas.microsoft.com/office/drawing/2014/main" id="{B81C3423-038C-6BBE-E228-A388F0DD361F}"/>
+                <a16:creationId xmlns:a16="http://schemas.microsoft.com/office/drawing/2014/main" id="{29F7B5BB-8891-DBB9-4CAF-1007D75DD7E9}"/>
               </a:ext>
             </a:extLst>
           </p:cNvPr>
@@ -1318,7 +1318,7 @@
           <p:cNvPr id="4" name="内容占位符 3">
             <a:extLst>
               <a:ext uri="{FF2B5EF4-FFF2-40B4-BE49-F238E27FC236}">
-                <a16:creationId xmlns:a16="http://schemas.microsoft.com/office/drawing/2014/main" id="{97DF4471-270E-966A-5B0D-C15E28F5D094}"/>
+                <a16:creationId xmlns:a16="http://schemas.microsoft.com/office/drawing/2014/main" id="{4FCE9B57-57BB-0E6F-DEDE-8648F1F535B3}"/>
               </a:ext>
             </a:extLst>
           </p:cNvPr>
@@ -1380,7 +1380,7 @@
           <p:cNvPr id="5" name="日期占位符 4">
             <a:extLst>
               <a:ext uri="{FF2B5EF4-FFF2-40B4-BE49-F238E27FC236}">
-                <a16:creationId xmlns:a16="http://schemas.microsoft.com/office/drawing/2014/main" id="{6D229F4F-A457-3EAE-7D3D-8C4D05175B9C}"/>
+                <a16:creationId xmlns:a16="http://schemas.microsoft.com/office/drawing/2014/main" id="{F4944DB1-6D1A-67B8-B0D6-03CC0073815B}"/>
               </a:ext>
             </a:extLst>
           </p:cNvPr>
@@ -1396,7 +1396,7 @@
           <a:bodyPr/>
           <a:lstStyle/>
           <a:p>
-            <a:fld id="{D04AEC38-C965-49C5-B77B-84FE7C633CAF}" type="datetimeFigureOut">
+            <a:fld id="{48B9C68F-C176-41F3-A6CB-A2197BA41E67}" type="datetimeFigureOut">
               <a:rPr lang="zh-CN" altLang="en-US" smtClean="0"/>
               <a:t>2024/3/10</a:t>
             </a:fld>
@@ -1409,7 +1409,7 @@
           <p:cNvPr id="6" name="页脚占位符 5">
             <a:extLst>
               <a:ext uri="{FF2B5EF4-FFF2-40B4-BE49-F238E27FC236}">
-                <a16:creationId xmlns:a16="http://schemas.microsoft.com/office/drawing/2014/main" id="{C409F3F8-53F6-8503-D09F-F279693503EC}"/>
+                <a16:creationId xmlns:a16="http://schemas.microsoft.com/office/drawing/2014/main" id="{5B990B9C-0D8D-4E2F-80FE-74F2B148ED76}"/>
               </a:ext>
             </a:extLst>
           </p:cNvPr>
@@ -1434,7 +1434,7 @@
           <p:cNvPr id="7" name="灯片编号占位符 6">
             <a:extLst>
               <a:ext uri="{FF2B5EF4-FFF2-40B4-BE49-F238E27FC236}">
-                <a16:creationId xmlns:a16="http://schemas.microsoft.com/office/drawing/2014/main" id="{9089707F-4DDC-F425-EDB2-D1B97BB0231F}"/>
+                <a16:creationId xmlns:a16="http://schemas.microsoft.com/office/drawing/2014/main" id="{A7CE03D4-376A-D6CB-D0C0-9181977D4B65}"/>
               </a:ext>
             </a:extLst>
           </p:cNvPr>
@@ -1450,7 +1450,7 @@
           <a:bodyPr/>
           <a:lstStyle/>
           <a:p>
-            <a:fld id="{F2EAF913-3774-43A2-8B7D-7E7094FA69AF}" type="slidenum">
+            <a:fld id="{DB7AF3BF-1299-4049-A291-CA48E8CE5DB1}" type="slidenum">
               <a:rPr lang="zh-CN" altLang="en-US" smtClean="0"/>
               <a:t>‹#›</a:t>
             </a:fld>
@@ -1461,7 +1461,7 @@
     </p:spTree>
     <p:extLst>
       <p:ext uri="{BB962C8B-B14F-4D97-AF65-F5344CB8AC3E}">
-        <p14:creationId xmlns:p14="http://schemas.microsoft.com/office/powerpoint/2010/main" val="4184009683"/>
+        <p14:creationId xmlns:p14="http://schemas.microsoft.com/office/powerpoint/2010/main" val="2012438720"/>
       </p:ext>
     </p:extLst>
   </p:cSld>
@@ -1493,7 +1493,7 @@
           <p:cNvPr id="2" name="标题 1">
             <a:extLst>
               <a:ext uri="{FF2B5EF4-FFF2-40B4-BE49-F238E27FC236}">
-                <a16:creationId xmlns:a16="http://schemas.microsoft.com/office/drawing/2014/main" id="{53BFCCD1-6AD8-1AD9-B11D-31B39AD03395}"/>
+                <a16:creationId xmlns:a16="http://schemas.microsoft.com/office/drawing/2014/main" id="{61C5987A-A470-F902-A4E4-2B0500901918}"/>
               </a:ext>
             </a:extLst>
           </p:cNvPr>
@@ -1526,7 +1526,7 @@
           <p:cNvPr id="3" name="文本占位符 2">
             <a:extLst>
               <a:ext uri="{FF2B5EF4-FFF2-40B4-BE49-F238E27FC236}">
-                <a16:creationId xmlns:a16="http://schemas.microsoft.com/office/drawing/2014/main" id="{B46E0A26-7D00-5AE1-F59F-32E42DC16FAE}"/>
+                <a16:creationId xmlns:a16="http://schemas.microsoft.com/office/drawing/2014/main" id="{04DCDFE7-7119-F5EF-094A-744BC84E9B3E}"/>
               </a:ext>
             </a:extLst>
           </p:cNvPr>
@@ -1597,7 +1597,7 @@
           <p:cNvPr id="4" name="内容占位符 3">
             <a:extLst>
               <a:ext uri="{FF2B5EF4-FFF2-40B4-BE49-F238E27FC236}">
-                <a16:creationId xmlns:a16="http://schemas.microsoft.com/office/drawing/2014/main" id="{31CF4B95-01E8-4400-1CC5-89A36D9C2371}"/>
+                <a16:creationId xmlns:a16="http://schemas.microsoft.com/office/drawing/2014/main" id="{5FE2540F-7BB7-2E09-4842-CCE527D4251C}"/>
               </a:ext>
             </a:extLst>
           </p:cNvPr>
@@ -1659,7 +1659,7 @@
           <p:cNvPr id="5" name="文本占位符 4">
             <a:extLst>
               <a:ext uri="{FF2B5EF4-FFF2-40B4-BE49-F238E27FC236}">
-                <a16:creationId xmlns:a16="http://schemas.microsoft.com/office/drawing/2014/main" id="{F4E38A0F-DE09-3566-0BB2-7A7C2776A154}"/>
+                <a16:creationId xmlns:a16="http://schemas.microsoft.com/office/drawing/2014/main" id="{D4B84106-117C-3A0E-DC60-185EF359C9D9}"/>
               </a:ext>
             </a:extLst>
           </p:cNvPr>
@@ -1730,7 +1730,7 @@
           <p:cNvPr id="6" name="内容占位符 5">
             <a:extLst>
               <a:ext uri="{FF2B5EF4-FFF2-40B4-BE49-F238E27FC236}">
-                <a16:creationId xmlns:a16="http://schemas.microsoft.com/office/drawing/2014/main" id="{D60901F3-C568-B37B-4843-FBCE8E340B30}"/>
+                <a16:creationId xmlns:a16="http://schemas.microsoft.com/office/drawing/2014/main" id="{EECC0911-15B7-75AF-01DD-DC9BF6C98E80}"/>
               </a:ext>
             </a:extLst>
           </p:cNvPr>
@@ -1792,7 +1792,7 @@
           <p:cNvPr id="7" name="日期占位符 6">
             <a:extLst>
               <a:ext uri="{FF2B5EF4-FFF2-40B4-BE49-F238E27FC236}">
-                <a16:creationId xmlns:a16="http://schemas.microsoft.com/office/drawing/2014/main" id="{EFE6EB85-66B8-550E-AFB2-BF5280A9300A}"/>
+                <a16:creationId xmlns:a16="http://schemas.microsoft.com/office/drawing/2014/main" id="{B56A76C4-DF02-DD03-7AD1-523A060E50DC}"/>
               </a:ext>
             </a:extLst>
           </p:cNvPr>
@@ -1808,7 +1808,7 @@
           <a:bodyPr/>
           <a:lstStyle/>
           <a:p>
-            <a:fld id="{D04AEC38-C965-49C5-B77B-84FE7C633CAF}" type="datetimeFigureOut">
+            <a:fld id="{48B9C68F-C176-41F3-A6CB-A2197BA41E67}" type="datetimeFigureOut">
               <a:rPr lang="zh-CN" altLang="en-US" smtClean="0"/>
               <a:t>2024/3/10</a:t>
             </a:fld>
@@ -1821,7 +1821,7 @@
           <p:cNvPr id="8" name="页脚占位符 7">
             <a:extLst>
               <a:ext uri="{FF2B5EF4-FFF2-40B4-BE49-F238E27FC236}">
-                <a16:creationId xmlns:a16="http://schemas.microsoft.com/office/drawing/2014/main" id="{DE6255B4-E322-69E7-796F-BE2818F5A891}"/>
+                <a16:creationId xmlns:a16="http://schemas.microsoft.com/office/drawing/2014/main" id="{18F4CE0C-E35E-33B0-1B68-664C9D27931D}"/>
               </a:ext>
             </a:extLst>
           </p:cNvPr>
@@ -1846,7 +1846,7 @@
           <p:cNvPr id="9" name="灯片编号占位符 8">
             <a:extLst>
               <a:ext uri="{FF2B5EF4-FFF2-40B4-BE49-F238E27FC236}">
-                <a16:creationId xmlns:a16="http://schemas.microsoft.com/office/drawing/2014/main" id="{FAF821DE-D010-B1EB-43B7-3C81EEB5B318}"/>
+                <a16:creationId xmlns:a16="http://schemas.microsoft.com/office/drawing/2014/main" id="{654C0A3E-C6DD-9DF1-0DB8-866C0D813342}"/>
               </a:ext>
             </a:extLst>
           </p:cNvPr>
@@ -1862,7 +1862,7 @@
           <a:bodyPr/>
           <a:lstStyle/>
           <a:p>
-            <a:fld id="{F2EAF913-3774-43A2-8B7D-7E7094FA69AF}" type="slidenum">
+            <a:fld id="{DB7AF3BF-1299-4049-A291-CA48E8CE5DB1}" type="slidenum">
               <a:rPr lang="zh-CN" altLang="en-US" smtClean="0"/>
               <a:t>‹#›</a:t>
             </a:fld>
@@ -1873,7 +1873,7 @@
     </p:spTree>
     <p:extLst>
       <p:ext uri="{BB962C8B-B14F-4D97-AF65-F5344CB8AC3E}">
-        <p14:creationId xmlns:p14="http://schemas.microsoft.com/office/powerpoint/2010/main" val="2132853060"/>
+        <p14:creationId xmlns:p14="http://schemas.microsoft.com/office/powerpoint/2010/main" val="4160606681"/>
       </p:ext>
     </p:extLst>
   </p:cSld>
@@ -1905,7 +1905,7 @@
           <p:cNvPr id="2" name="标题 1">
             <a:extLst>
               <a:ext uri="{FF2B5EF4-FFF2-40B4-BE49-F238E27FC236}">
-                <a16:creationId xmlns:a16="http://schemas.microsoft.com/office/drawing/2014/main" id="{B6206659-01A3-C509-49FE-8B1FE9057F4E}"/>
+                <a16:creationId xmlns:a16="http://schemas.microsoft.com/office/drawing/2014/main" id="{AFDFE319-4CF4-2AF0-9D2C-B36E9036A023}"/>
               </a:ext>
             </a:extLst>
           </p:cNvPr>
@@ -1933,7 +1933,7 @@
           <p:cNvPr id="3" name="日期占位符 2">
             <a:extLst>
               <a:ext uri="{FF2B5EF4-FFF2-40B4-BE49-F238E27FC236}">
-                <a16:creationId xmlns:a16="http://schemas.microsoft.com/office/drawing/2014/main" id="{D17445E5-CF40-87D0-094B-7D5A2D055239}"/>
+                <a16:creationId xmlns:a16="http://schemas.microsoft.com/office/drawing/2014/main" id="{26526CD8-DC95-6A4C-D6A5-E1B281E078B7}"/>
               </a:ext>
             </a:extLst>
           </p:cNvPr>
@@ -1949,7 +1949,7 @@
           <a:bodyPr/>
           <a:lstStyle/>
           <a:p>
-            <a:fld id="{D04AEC38-C965-49C5-B77B-84FE7C633CAF}" type="datetimeFigureOut">
+            <a:fld id="{48B9C68F-C176-41F3-A6CB-A2197BA41E67}" type="datetimeFigureOut">
               <a:rPr lang="zh-CN" altLang="en-US" smtClean="0"/>
               <a:t>2024/3/10</a:t>
             </a:fld>
@@ -1962,7 +1962,7 @@
           <p:cNvPr id="4" name="页脚占位符 3">
             <a:extLst>
               <a:ext uri="{FF2B5EF4-FFF2-40B4-BE49-F238E27FC236}">
-                <a16:creationId xmlns:a16="http://schemas.microsoft.com/office/drawing/2014/main" id="{5C316D7D-4DF9-24A4-D0E6-E5C8657AE3E5}"/>
+                <a16:creationId xmlns:a16="http://schemas.microsoft.com/office/drawing/2014/main" id="{8AC1BB13-AA64-3A2E-C9E2-C2D7668CF174}"/>
               </a:ext>
             </a:extLst>
           </p:cNvPr>
@@ -1987,7 +1987,7 @@
           <p:cNvPr id="5" name="灯片编号占位符 4">
             <a:extLst>
               <a:ext uri="{FF2B5EF4-FFF2-40B4-BE49-F238E27FC236}">
-                <a16:creationId xmlns:a16="http://schemas.microsoft.com/office/drawing/2014/main" id="{4F9ED1A7-BE34-FF96-71C4-26D74A8D2C9C}"/>
+                <a16:creationId xmlns:a16="http://schemas.microsoft.com/office/drawing/2014/main" id="{75D2D0EA-927D-EDDE-CB2D-78416542E22F}"/>
               </a:ext>
             </a:extLst>
           </p:cNvPr>
@@ -2003,7 +2003,7 @@
           <a:bodyPr/>
           <a:lstStyle/>
           <a:p>
-            <a:fld id="{F2EAF913-3774-43A2-8B7D-7E7094FA69AF}" type="slidenum">
+            <a:fld id="{DB7AF3BF-1299-4049-A291-CA48E8CE5DB1}" type="slidenum">
               <a:rPr lang="zh-CN" altLang="en-US" smtClean="0"/>
               <a:t>‹#›</a:t>
             </a:fld>
@@ -2014,7 +2014,7 @@
     </p:spTree>
     <p:extLst>
       <p:ext uri="{BB962C8B-B14F-4D97-AF65-F5344CB8AC3E}">
-        <p14:creationId xmlns:p14="http://schemas.microsoft.com/office/powerpoint/2010/main" val="743705918"/>
+        <p14:creationId xmlns:p14="http://schemas.microsoft.com/office/powerpoint/2010/main" val="3477767820"/>
       </p:ext>
     </p:extLst>
   </p:cSld>
@@ -2046,7 +2046,7 @@
           <p:cNvPr id="2" name="日期占位符 1">
             <a:extLst>
               <a:ext uri="{FF2B5EF4-FFF2-40B4-BE49-F238E27FC236}">
-                <a16:creationId xmlns:a16="http://schemas.microsoft.com/office/drawing/2014/main" id="{819F0B32-E24C-C5FB-80B3-9244CFB33028}"/>
+                <a16:creationId xmlns:a16="http://schemas.microsoft.com/office/drawing/2014/main" id="{760E94E9-AE85-B1CF-B0A7-4AC8E55664DA}"/>
               </a:ext>
             </a:extLst>
           </p:cNvPr>
@@ -2062,7 +2062,7 @@
           <a:bodyPr/>
           <a:lstStyle/>
           <a:p>
-            <a:fld id="{D04AEC38-C965-49C5-B77B-84FE7C633CAF}" type="datetimeFigureOut">
+            <a:fld id="{48B9C68F-C176-41F3-A6CB-A2197BA41E67}" type="datetimeFigureOut">
               <a:rPr lang="zh-CN" altLang="en-US" smtClean="0"/>
               <a:t>2024/3/10</a:t>
             </a:fld>
@@ -2075,7 +2075,7 @@
           <p:cNvPr id="3" name="页脚占位符 2">
             <a:extLst>
               <a:ext uri="{FF2B5EF4-FFF2-40B4-BE49-F238E27FC236}">
-                <a16:creationId xmlns:a16="http://schemas.microsoft.com/office/drawing/2014/main" id="{D5F29A73-06D4-554B-0EDA-6328BF0FAC22}"/>
+                <a16:creationId xmlns:a16="http://schemas.microsoft.com/office/drawing/2014/main" id="{819E6AB2-97FB-C76A-D5A2-A791946FD0F8}"/>
               </a:ext>
             </a:extLst>
           </p:cNvPr>
@@ -2100,7 +2100,7 @@
           <p:cNvPr id="4" name="灯片编号占位符 3">
             <a:extLst>
               <a:ext uri="{FF2B5EF4-FFF2-40B4-BE49-F238E27FC236}">
-                <a16:creationId xmlns:a16="http://schemas.microsoft.com/office/drawing/2014/main" id="{FB04A8CF-B284-D0E8-1D28-444EF008935A}"/>
+                <a16:creationId xmlns:a16="http://schemas.microsoft.com/office/drawing/2014/main" id="{6EBACF5F-D790-9A90-F849-6D90545A620F}"/>
               </a:ext>
             </a:extLst>
           </p:cNvPr>
@@ -2116,7 +2116,7 @@
           <a:bodyPr/>
           <a:lstStyle/>
           <a:p>
-            <a:fld id="{F2EAF913-3774-43A2-8B7D-7E7094FA69AF}" type="slidenum">
+            <a:fld id="{DB7AF3BF-1299-4049-A291-CA48E8CE5DB1}" type="slidenum">
               <a:rPr lang="zh-CN" altLang="en-US" smtClean="0"/>
               <a:t>‹#›</a:t>
             </a:fld>
@@ -2127,7 +2127,7 @@
     </p:spTree>
     <p:extLst>
       <p:ext uri="{BB962C8B-B14F-4D97-AF65-F5344CB8AC3E}">
-        <p14:creationId xmlns:p14="http://schemas.microsoft.com/office/powerpoint/2010/main" val="112190447"/>
+        <p14:creationId xmlns:p14="http://schemas.microsoft.com/office/powerpoint/2010/main" val="2470421565"/>
       </p:ext>
     </p:extLst>
   </p:cSld>
@@ -2159,7 +2159,7 @@
           <p:cNvPr id="2" name="标题 1">
             <a:extLst>
               <a:ext uri="{FF2B5EF4-FFF2-40B4-BE49-F238E27FC236}">
-                <a16:creationId xmlns:a16="http://schemas.microsoft.com/office/drawing/2014/main" id="{575CF1C7-5322-011B-0541-50A6D86B81FC}"/>
+                <a16:creationId xmlns:a16="http://schemas.microsoft.com/office/drawing/2014/main" id="{192EB597-BA79-9FFB-39EB-7B06FD57FBC4}"/>
               </a:ext>
             </a:extLst>
           </p:cNvPr>
@@ -2196,7 +2196,7 @@
           <p:cNvPr id="3" name="内容占位符 2">
             <a:extLst>
               <a:ext uri="{FF2B5EF4-FFF2-40B4-BE49-F238E27FC236}">
-                <a16:creationId xmlns:a16="http://schemas.microsoft.com/office/drawing/2014/main" id="{D2E55365-61A3-6B87-36FB-DB09DD7D1696}"/>
+                <a16:creationId xmlns:a16="http://schemas.microsoft.com/office/drawing/2014/main" id="{AB904300-8DB3-16F2-FC83-E6E059275744}"/>
               </a:ext>
             </a:extLst>
           </p:cNvPr>
@@ -2286,7 +2286,7 @@
           <p:cNvPr id="4" name="文本占位符 3">
             <a:extLst>
               <a:ext uri="{FF2B5EF4-FFF2-40B4-BE49-F238E27FC236}">
-                <a16:creationId xmlns:a16="http://schemas.microsoft.com/office/drawing/2014/main" id="{3E0DDEBC-439A-7379-A340-0216491A6577}"/>
+                <a16:creationId xmlns:a16="http://schemas.microsoft.com/office/drawing/2014/main" id="{00EC030D-24AC-4E78-0775-ECE50CEF678A}"/>
               </a:ext>
             </a:extLst>
           </p:cNvPr>
@@ -2357,7 +2357,7 @@
           <p:cNvPr id="5" name="日期占位符 4">
             <a:extLst>
               <a:ext uri="{FF2B5EF4-FFF2-40B4-BE49-F238E27FC236}">
-                <a16:creationId xmlns:a16="http://schemas.microsoft.com/office/drawing/2014/main" id="{48728453-1417-4DF6-0314-8EF81B097B62}"/>
+                <a16:creationId xmlns:a16="http://schemas.microsoft.com/office/drawing/2014/main" id="{72327776-19BD-D67C-3469-8750D49F1C02}"/>
               </a:ext>
             </a:extLst>
           </p:cNvPr>
@@ -2373,7 +2373,7 @@
           <a:bodyPr/>
           <a:lstStyle/>
           <a:p>
-            <a:fld id="{D04AEC38-C965-49C5-B77B-84FE7C633CAF}" type="datetimeFigureOut">
+            <a:fld id="{48B9C68F-C176-41F3-A6CB-A2197BA41E67}" type="datetimeFigureOut">
               <a:rPr lang="zh-CN" altLang="en-US" smtClean="0"/>
               <a:t>2024/3/10</a:t>
             </a:fld>
@@ -2386,7 +2386,7 @@
           <p:cNvPr id="6" name="页脚占位符 5">
             <a:extLst>
               <a:ext uri="{FF2B5EF4-FFF2-40B4-BE49-F238E27FC236}">
-                <a16:creationId xmlns:a16="http://schemas.microsoft.com/office/drawing/2014/main" id="{0C1AE7FD-351A-4C29-2109-A5490AA1823D}"/>
+                <a16:creationId xmlns:a16="http://schemas.microsoft.com/office/drawing/2014/main" id="{C24C3831-7227-DE80-C388-A11EA3C76EFB}"/>
               </a:ext>
             </a:extLst>
           </p:cNvPr>
@@ -2411,7 +2411,7 @@
           <p:cNvPr id="7" name="灯片编号占位符 6">
             <a:extLst>
               <a:ext uri="{FF2B5EF4-FFF2-40B4-BE49-F238E27FC236}">
-                <a16:creationId xmlns:a16="http://schemas.microsoft.com/office/drawing/2014/main" id="{B9E7C8CC-FC22-6F14-4BCF-D88B02819B0D}"/>
+                <a16:creationId xmlns:a16="http://schemas.microsoft.com/office/drawing/2014/main" id="{57AF9A8F-FA98-0E2D-6BF9-475042DBE7EB}"/>
               </a:ext>
             </a:extLst>
           </p:cNvPr>
@@ -2427,7 +2427,7 @@
           <a:bodyPr/>
           <a:lstStyle/>
           <a:p>
-            <a:fld id="{F2EAF913-3774-43A2-8B7D-7E7094FA69AF}" type="slidenum">
+            <a:fld id="{DB7AF3BF-1299-4049-A291-CA48E8CE5DB1}" type="slidenum">
               <a:rPr lang="zh-CN" altLang="en-US" smtClean="0"/>
               <a:t>‹#›</a:t>
             </a:fld>
@@ -2438,7 +2438,7 @@
     </p:spTree>
     <p:extLst>
       <p:ext uri="{BB962C8B-B14F-4D97-AF65-F5344CB8AC3E}">
-        <p14:creationId xmlns:p14="http://schemas.microsoft.com/office/powerpoint/2010/main" val="970488681"/>
+        <p14:creationId xmlns:p14="http://schemas.microsoft.com/office/powerpoint/2010/main" val="2268021735"/>
       </p:ext>
     </p:extLst>
   </p:cSld>
@@ -2470,7 +2470,7 @@
           <p:cNvPr id="2" name="标题 1">
             <a:extLst>
               <a:ext uri="{FF2B5EF4-FFF2-40B4-BE49-F238E27FC236}">
-                <a16:creationId xmlns:a16="http://schemas.microsoft.com/office/drawing/2014/main" id="{392E2D79-FD0E-D84E-5C23-60128F1C9CDC}"/>
+                <a16:creationId xmlns:a16="http://schemas.microsoft.com/office/drawing/2014/main" id="{EAB96FC0-0E51-08D8-3F9D-22790C226482}"/>
               </a:ext>
             </a:extLst>
           </p:cNvPr>
@@ -2507,7 +2507,7 @@
           <p:cNvPr id="3" name="图片占位符 2">
             <a:extLst>
               <a:ext uri="{FF2B5EF4-FFF2-40B4-BE49-F238E27FC236}">
-                <a16:creationId xmlns:a16="http://schemas.microsoft.com/office/drawing/2014/main" id="{A83D37A2-1C09-A83E-8890-9D5845A1B4C6}"/>
+                <a16:creationId xmlns:a16="http://schemas.microsoft.com/office/drawing/2014/main" id="{186AD850-95E0-C7C7-DB59-57270BD86938}"/>
               </a:ext>
             </a:extLst>
           </p:cNvPr>
@@ -2574,7 +2574,7 @@
           <p:cNvPr id="4" name="文本占位符 3">
             <a:extLst>
               <a:ext uri="{FF2B5EF4-FFF2-40B4-BE49-F238E27FC236}">
-                <a16:creationId xmlns:a16="http://schemas.microsoft.com/office/drawing/2014/main" id="{459C6ABF-2176-8765-49C0-7E869C47E742}"/>
+                <a16:creationId xmlns:a16="http://schemas.microsoft.com/office/drawing/2014/main" id="{557AA895-331B-1A51-CB33-AA7D126618F1}"/>
               </a:ext>
             </a:extLst>
           </p:cNvPr>
@@ -2645,7 +2645,7 @@
           <p:cNvPr id="5" name="日期占位符 4">
             <a:extLst>
               <a:ext uri="{FF2B5EF4-FFF2-40B4-BE49-F238E27FC236}">
-                <a16:creationId xmlns:a16="http://schemas.microsoft.com/office/drawing/2014/main" id="{8DB952F9-70DB-7AE3-2297-570205402840}"/>
+                <a16:creationId xmlns:a16="http://schemas.microsoft.com/office/drawing/2014/main" id="{7B93A64D-B2FD-1A57-F912-97C30285BEE9}"/>
               </a:ext>
             </a:extLst>
           </p:cNvPr>
@@ -2661,7 +2661,7 @@
           <a:bodyPr/>
           <a:lstStyle/>
           <a:p>
-            <a:fld id="{D04AEC38-C965-49C5-B77B-84FE7C633CAF}" type="datetimeFigureOut">
+            <a:fld id="{48B9C68F-C176-41F3-A6CB-A2197BA41E67}" type="datetimeFigureOut">
               <a:rPr lang="zh-CN" altLang="en-US" smtClean="0"/>
               <a:t>2024/3/10</a:t>
             </a:fld>
@@ -2674,7 +2674,7 @@
           <p:cNvPr id="6" name="页脚占位符 5">
             <a:extLst>
               <a:ext uri="{FF2B5EF4-FFF2-40B4-BE49-F238E27FC236}">
-                <a16:creationId xmlns:a16="http://schemas.microsoft.com/office/drawing/2014/main" id="{F41FB7CA-5748-8E82-9858-FD498C9C3971}"/>
+                <a16:creationId xmlns:a16="http://schemas.microsoft.com/office/drawing/2014/main" id="{A3C09C7D-692D-A0B3-9B17-639C86A480AF}"/>
               </a:ext>
             </a:extLst>
           </p:cNvPr>
@@ -2699,7 +2699,7 @@
           <p:cNvPr id="7" name="灯片编号占位符 6">
             <a:extLst>
               <a:ext uri="{FF2B5EF4-FFF2-40B4-BE49-F238E27FC236}">
-                <a16:creationId xmlns:a16="http://schemas.microsoft.com/office/drawing/2014/main" id="{C26577BE-1DB1-DAF0-D795-D9CA5EF29DFC}"/>
+                <a16:creationId xmlns:a16="http://schemas.microsoft.com/office/drawing/2014/main" id="{6391A856-EDAB-AEF1-FC04-74454AAD23E9}"/>
               </a:ext>
             </a:extLst>
           </p:cNvPr>
@@ -2715,7 +2715,7 @@
           <a:bodyPr/>
           <a:lstStyle/>
           <a:p>
-            <a:fld id="{F2EAF913-3774-43A2-8B7D-7E7094FA69AF}" type="slidenum">
+            <a:fld id="{DB7AF3BF-1299-4049-A291-CA48E8CE5DB1}" type="slidenum">
               <a:rPr lang="zh-CN" altLang="en-US" smtClean="0"/>
               <a:t>‹#›</a:t>
             </a:fld>
@@ -2726,7 +2726,7 @@
     </p:spTree>
     <p:extLst>
       <p:ext uri="{BB962C8B-B14F-4D97-AF65-F5344CB8AC3E}">
-        <p14:creationId xmlns:p14="http://schemas.microsoft.com/office/powerpoint/2010/main" val="3562666034"/>
+        <p14:creationId xmlns:p14="http://schemas.microsoft.com/office/powerpoint/2010/main" val="3664290633"/>
       </p:ext>
     </p:extLst>
   </p:cSld>
@@ -2763,7 +2763,7 @@
           <p:cNvPr id="2" name="标题占位符 1">
             <a:extLst>
               <a:ext uri="{FF2B5EF4-FFF2-40B4-BE49-F238E27FC236}">
-                <a16:creationId xmlns:a16="http://schemas.microsoft.com/office/drawing/2014/main" id="{3A11E70A-BD75-ACCF-59CF-CDB594DC531C}"/>
+                <a16:creationId xmlns:a16="http://schemas.microsoft.com/office/drawing/2014/main" id="{31278553-13FE-4F9C-7D4D-32F3C4BF9236}"/>
               </a:ext>
             </a:extLst>
           </p:cNvPr>
@@ -2801,7 +2801,7 @@
           <p:cNvPr id="3" name="文本占位符 2">
             <a:extLst>
               <a:ext uri="{FF2B5EF4-FFF2-40B4-BE49-F238E27FC236}">
-                <a16:creationId xmlns:a16="http://schemas.microsoft.com/office/drawing/2014/main" id="{6093DE73-8D39-8759-FFB2-F6D82CCE88EA}"/>
+                <a16:creationId xmlns:a16="http://schemas.microsoft.com/office/drawing/2014/main" id="{DC699B59-944F-AAD5-4372-D024CD710451}"/>
               </a:ext>
             </a:extLst>
           </p:cNvPr>
@@ -2868,7 +2868,7 @@
           <p:cNvPr id="4" name="日期占位符 3">
             <a:extLst>
               <a:ext uri="{FF2B5EF4-FFF2-40B4-BE49-F238E27FC236}">
-                <a16:creationId xmlns:a16="http://schemas.microsoft.com/office/drawing/2014/main" id="{E4D49B83-F617-03F5-AC6C-EA209E08B7FC}"/>
+                <a16:creationId xmlns:a16="http://schemas.microsoft.com/office/drawing/2014/main" id="{D795E43D-8C83-491D-5CA9-3C2C28C11362}"/>
               </a:ext>
             </a:extLst>
           </p:cNvPr>
@@ -2902,7 +2902,7 @@
             </a:lvl1pPr>
           </a:lstStyle>
           <a:p>
-            <a:fld id="{D04AEC38-C965-49C5-B77B-84FE7C633CAF}" type="datetimeFigureOut">
+            <a:fld id="{48B9C68F-C176-41F3-A6CB-A2197BA41E67}" type="datetimeFigureOut">
               <a:rPr lang="zh-CN" altLang="en-US" smtClean="0"/>
               <a:t>2024/3/10</a:t>
             </a:fld>
@@ -2915,7 +2915,7 @@
           <p:cNvPr id="5" name="页脚占位符 4">
             <a:extLst>
               <a:ext uri="{FF2B5EF4-FFF2-40B4-BE49-F238E27FC236}">
-                <a16:creationId xmlns:a16="http://schemas.microsoft.com/office/drawing/2014/main" id="{D851C756-1D91-D9D8-EBAD-7B5CCEB017D3}"/>
+                <a16:creationId xmlns:a16="http://schemas.microsoft.com/office/drawing/2014/main" id="{DCCBE394-80CD-2324-193F-AE91D08FD190}"/>
               </a:ext>
             </a:extLst>
           </p:cNvPr>
@@ -2958,7 +2958,7 @@
           <p:cNvPr id="6" name="灯片编号占位符 5">
             <a:extLst>
               <a:ext uri="{FF2B5EF4-FFF2-40B4-BE49-F238E27FC236}">
-                <a16:creationId xmlns:a16="http://schemas.microsoft.com/office/drawing/2014/main" id="{7BCD999A-6661-0F2F-D90D-A15E55FB9A7A}"/>
+                <a16:creationId xmlns:a16="http://schemas.microsoft.com/office/drawing/2014/main" id="{F9CE51E8-69C7-3A1E-0456-14B26DCD1938}"/>
               </a:ext>
             </a:extLst>
           </p:cNvPr>
@@ -2992,7 +2992,7 @@
             </a:lvl1pPr>
           </a:lstStyle>
           <a:p>
-            <a:fld id="{F2EAF913-3774-43A2-8B7D-7E7094FA69AF}" type="slidenum">
+            <a:fld id="{DB7AF3BF-1299-4049-A291-CA48E8CE5DB1}" type="slidenum">
               <a:rPr lang="zh-CN" altLang="en-US" smtClean="0"/>
               <a:t>‹#›</a:t>
             </a:fld>
@@ -3003,7 +3003,7 @@
     </p:spTree>
     <p:extLst>
       <p:ext uri="{BB962C8B-B14F-4D97-AF65-F5344CB8AC3E}">
-        <p14:creationId xmlns:p14="http://schemas.microsoft.com/office/powerpoint/2010/main" val="1280933737"/>
+        <p14:creationId xmlns:p14="http://schemas.microsoft.com/office/powerpoint/2010/main" val="995048098"/>
       </p:ext>
     </p:extLst>
   </p:cSld>
